--- a/RDFsim/presentation/RDFsim-gr.pptx
+++ b/RDFsim/presentation/RDFsim-gr.pptx
@@ -203,7 +203,7 @@
           <a:p>
             <a:fld id="{AECF9573-B29D-4BB9-BF41-21DEB6A33DE1}" type="datetimeFigureOut">
               <a:rPr lang="en-US" smtClean="0"/>
-              <a:t>7/27/2021</a:t>
+              <a:t>7/29/2021</a:t>
             </a:fld>
             <a:endParaRPr lang="en-US"/>
           </a:p>
@@ -770,7 +770,7 @@
           <a:p>
             <a:fld id="{1C6080FE-7380-48A4-8C3F-83147296BA13}" type="datetime1">
               <a:rPr lang="en-US" smtClean="0"/>
-              <a:t>7/27/2021</a:t>
+              <a:t>7/29/2021</a:t>
             </a:fld>
             <a:endParaRPr lang="en-US"/>
           </a:p>
@@ -944,7 +944,7 @@
           <a:p>
             <a:fld id="{DBF3604D-7996-40ED-84F5-459D061E5CD5}" type="datetime1">
               <a:rPr lang="en-US" smtClean="0"/>
-              <a:t>7/27/2021</a:t>
+              <a:t>7/29/2021</a:t>
             </a:fld>
             <a:endParaRPr lang="en-US"/>
           </a:p>
@@ -1128,7 +1128,7 @@
           <a:p>
             <a:fld id="{5DD1C1B8-03F9-496A-85C9-5F10E65252CA}" type="datetime1">
               <a:rPr lang="en-US" smtClean="0"/>
-              <a:t>7/27/2021</a:t>
+              <a:t>7/29/2021</a:t>
             </a:fld>
             <a:endParaRPr lang="en-US"/>
           </a:p>
@@ -1302,7 +1302,7 @@
           <a:p>
             <a:fld id="{F047EB9B-DD16-4A05-B1A8-B328BC935E37}" type="datetime1">
               <a:rPr lang="en-US" smtClean="0"/>
-              <a:t>7/27/2021</a:t>
+              <a:t>7/29/2021</a:t>
             </a:fld>
             <a:endParaRPr lang="en-US"/>
           </a:p>
@@ -1552,7 +1552,7 @@
           <a:p>
             <a:fld id="{F9BD4836-4552-441C-A9E6-1AAAD13172E5}" type="datetime1">
               <a:rPr lang="en-US" smtClean="0"/>
-              <a:t>7/27/2021</a:t>
+              <a:t>7/29/2021</a:t>
             </a:fld>
             <a:endParaRPr lang="en-US"/>
           </a:p>
@@ -1788,7 +1788,7 @@
           <a:p>
             <a:fld id="{1D9C296A-91B7-4712-B96A-802791AE49A5}" type="datetime1">
               <a:rPr lang="en-US" smtClean="0"/>
-              <a:t>7/27/2021</a:t>
+              <a:t>7/29/2021</a:t>
             </a:fld>
             <a:endParaRPr lang="en-US"/>
           </a:p>
@@ -2159,7 +2159,7 @@
           <a:p>
             <a:fld id="{6195517D-FF13-4C0E-8BA4-33C201CF2431}" type="datetime1">
               <a:rPr lang="en-US" smtClean="0"/>
-              <a:t>7/27/2021</a:t>
+              <a:t>7/29/2021</a:t>
             </a:fld>
             <a:endParaRPr lang="en-US"/>
           </a:p>
@@ -2281,7 +2281,7 @@
           <a:p>
             <a:fld id="{B016B94F-C79D-426C-95B9-50F3F54E01D5}" type="datetime1">
               <a:rPr lang="en-US" smtClean="0"/>
-              <a:t>7/27/2021</a:t>
+              <a:t>7/29/2021</a:t>
             </a:fld>
             <a:endParaRPr lang="en-US"/>
           </a:p>
@@ -2380,7 +2380,7 @@
           <a:p>
             <a:fld id="{0D1C88C9-B7DE-482C-8AB1-7B07C9D29459}" type="datetime1">
               <a:rPr lang="en-US" smtClean="0"/>
-              <a:t>7/27/2021</a:t>
+              <a:t>7/29/2021</a:t>
             </a:fld>
             <a:endParaRPr lang="en-US"/>
           </a:p>
@@ -2661,7 +2661,7 @@
           <a:p>
             <a:fld id="{BB0980A5-17BD-4AE4-9833-43A080896082}" type="datetime1">
               <a:rPr lang="en-US" smtClean="0"/>
-              <a:t>7/27/2021</a:t>
+              <a:t>7/29/2021</a:t>
             </a:fld>
             <a:endParaRPr lang="en-US"/>
           </a:p>
@@ -2918,7 +2918,7 @@
           <a:p>
             <a:fld id="{879F52D8-A16E-472B-ADDF-586C5F5EB3A2}" type="datetime1">
               <a:rPr lang="en-US" smtClean="0"/>
-              <a:t>7/27/2021</a:t>
+              <a:t>7/29/2021</a:t>
             </a:fld>
             <a:endParaRPr lang="en-US"/>
           </a:p>
@@ -3135,7 +3135,7 @@
           <a:p>
             <a:fld id="{C8C85A63-CD5C-4DC8-8108-5D9C5D556BE8}" type="datetime1">
               <a:rPr lang="en-US" smtClean="0"/>
-              <a:t>7/27/2021</a:t>
+              <a:t>7/29/2021</a:t>
             </a:fld>
             <a:endParaRPr lang="en-US"/>
           </a:p>
@@ -3946,11 +3946,15 @@
           <a:p>
             <a:r>
               <a:rPr lang="el-GR" dirty="0" smtClean="0"/>
-              <a:t>Οι απλοί χρήστες δεν είναι συνηθισμένοι με τις έννοιες του σημασιολογικού ιστού</a:t>
+              <a:t>Οι απλοί χρήστες δεν είναι συνηθισμένοι με τις έννοιες του σημασιολογικού </a:t>
+            </a:r>
+            <a:r>
+              <a:rPr lang="el-GR" dirty="0" smtClean="0"/>
+              <a:t>ιστού</a:t>
             </a:r>
             <a:r>
               <a:rPr lang="en-US" dirty="0" smtClean="0"/>
-              <a:t>.</a:t>
+              <a:t> (semantic web).</a:t>
             </a:r>
             <a:endParaRPr lang="en-US" dirty="0" smtClean="0"/>
           </a:p>
@@ -4036,8 +4040,8 @@
         </p:nvSpPr>
         <p:spPr>
           <a:xfrm>
-            <a:off x="289169" y="1606795"/>
-            <a:ext cx="11613662" cy="4629882"/>
+            <a:off x="296984" y="1481748"/>
+            <a:ext cx="11613662" cy="5130067"/>
           </a:xfrm>
         </p:spPr>
         <p:txBody>
@@ -4063,7 +4067,65 @@
                   <a:srgbClr val="FF0000"/>
                 </a:solidFill>
               </a:rPr>
-              <a:t>Knowledge </a:t>
+              <a:t>Knowledge Graph: </a:t>
+            </a:r>
+            <a:r>
+              <a:rPr lang="el-GR" dirty="0" smtClean="0"/>
+              <a:t>Δίκτυο/Γράφος </a:t>
+            </a:r>
+            <a:r>
+              <a:rPr lang="el-GR" dirty="0" smtClean="0"/>
+              <a:t>που περιέχει οντότητες και οπτικοποιεί τις σχέσεις μεταξύ </a:t>
+            </a:r>
+            <a:r>
+              <a:rPr lang="el-GR" dirty="0" smtClean="0"/>
+              <a:t>τους </a:t>
+            </a:r>
+            <a:r>
+              <a:rPr lang="el-GR" dirty="0" smtClean="0"/>
+              <a:t>(</a:t>
+            </a:r>
+            <a:r>
+              <a:rPr lang="en-US" dirty="0"/>
+              <a:t>e.g. Google Knowledge Graph, </a:t>
+            </a:r>
+            <a:r>
+              <a:rPr lang="en-US" dirty="0" err="1"/>
+              <a:t>Dbpedia</a:t>
+            </a:r>
+            <a:r>
+              <a:rPr lang="en-US" dirty="0"/>
+              <a:t> and more</a:t>
+            </a:r>
+            <a:r>
+              <a:rPr lang="en-US" dirty="0" smtClean="0"/>
+              <a:t>…).</a:t>
+            </a:r>
+            <a:endParaRPr lang="en-US" dirty="0" smtClean="0">
+              <a:solidFill>
+                <a:srgbClr val="FF0000"/>
+              </a:solidFill>
+            </a:endParaRPr>
+          </a:p>
+          <a:p>
+            <a:pPr marL="457200" lvl="1" indent="0">
+              <a:buNone/>
+            </a:pPr>
+            <a:r>
+              <a:rPr lang="el-GR" dirty="0" err="1" smtClean="0">
+                <a:solidFill>
+                  <a:srgbClr val="FF0000"/>
+                </a:solidFill>
+              </a:rPr>
+              <a:t>Τριπλέτα</a:t>
+            </a:r>
+            <a:r>
+              <a:rPr lang="el-GR" dirty="0" smtClean="0">
+                <a:solidFill>
+                  <a:srgbClr val="FF0000"/>
+                </a:solidFill>
+              </a:rPr>
+              <a:t> </a:t>
             </a:r>
             <a:r>
               <a:rPr lang="en-US" dirty="0" smtClean="0">
@@ -4071,45 +4133,7 @@
                   <a:srgbClr val="FF0000"/>
                 </a:solidFill>
               </a:rPr>
-              <a:t>Graph: </a:t>
-            </a:r>
-            <a:r>
-              <a:rPr lang="en-US" dirty="0" smtClean="0"/>
-              <a:t>Networks that contain entities and visualize the relationships among them (e.g. Google Knowledge Graph, </a:t>
-            </a:r>
-            <a:r>
-              <a:rPr lang="en-US" dirty="0" err="1" smtClean="0"/>
-              <a:t>Dbpedia</a:t>
-            </a:r>
-            <a:r>
-              <a:rPr lang="en-US" dirty="0" smtClean="0"/>
-              <a:t> and more</a:t>
-            </a:r>
-            <a:r>
-              <a:rPr lang="en-US" dirty="0" smtClean="0"/>
-              <a:t>…)</a:t>
-            </a:r>
-            <a:r>
-              <a:rPr lang="el-GR" dirty="0" smtClean="0"/>
-              <a:t>. Δίκτυο/Γράφος που περιέχει οντότητες και οπτικοποιεί τις σχέσεις μεταξύ τους.</a:t>
-            </a:r>
-            <a:endParaRPr lang="en-US" dirty="0" smtClean="0">
-              <a:solidFill>
-                <a:srgbClr val="FF0000"/>
-              </a:solidFill>
-            </a:endParaRPr>
-          </a:p>
-          <a:p>
-            <a:pPr marL="457200" lvl="1" indent="0">
-              <a:buNone/>
-            </a:pPr>
-            <a:r>
-              <a:rPr lang="en-US" dirty="0" smtClean="0">
-                <a:solidFill>
-                  <a:srgbClr val="FF0000"/>
-                </a:solidFill>
-              </a:rPr>
-              <a:t>RDF </a:t>
+              <a:t>RDF/RDF </a:t>
             </a:r>
             <a:r>
               <a:rPr lang="en-US" dirty="0">
@@ -4120,12 +4144,12 @@
               <a:t>Triple: </a:t>
             </a:r>
             <a:r>
-              <a:rPr lang="en-US" dirty="0"/>
-              <a:t>A set of 3 entities, representing a sentence in subject-predicate-object </a:t>
+              <a:rPr lang="el-GR" dirty="0" smtClean="0"/>
+              <a:t>Σύνολο από 3 οντότητες, σε μορφή Υποκείμενο-Ρήμα-Αντικείμενο</a:t>
             </a:r>
             <a:r>
               <a:rPr lang="en-US" dirty="0" smtClean="0"/>
-              <a:t>format.</a:t>
+              <a:t>.</a:t>
             </a:r>
             <a:endParaRPr lang="en-US" dirty="0" smtClean="0">
               <a:solidFill>
@@ -4143,40 +4167,53 @@
                   <a:srgbClr val="FF0000"/>
                 </a:solidFill>
               </a:rPr>
-              <a:t>RDF </a:t>
-            </a:r>
-            <a:r>
-              <a:rPr lang="en-US" dirty="0">
+              <a:t>RDF Database: </a:t>
+            </a:r>
+            <a:r>
+              <a:rPr lang="el-GR" dirty="0" smtClean="0"/>
+              <a:t>Βάση δεδομένων που αποθηκεύει τις τριπλέτες ενός γράφου γνώσης.</a:t>
+            </a:r>
+            <a:endParaRPr lang="en-US" dirty="0" smtClean="0"/>
+          </a:p>
+          <a:p>
+            <a:pPr marL="457200" lvl="1" indent="0">
+              <a:buNone/>
+            </a:pPr>
+            <a:r>
+              <a:rPr lang="el-GR" dirty="0" smtClean="0">
                 <a:solidFill>
                   <a:srgbClr val="FF0000"/>
                 </a:solidFill>
               </a:rPr>
-              <a:t>Database: </a:t>
-            </a:r>
-            <a:r>
-              <a:rPr lang="en-US" dirty="0"/>
-              <a:t>A database storing the triples of a knowledge </a:t>
-            </a:r>
-            <a:r>
-              <a:rPr lang="en-US" dirty="0" smtClean="0"/>
-              <a:t>graph</a:t>
-            </a:r>
-          </a:p>
-          <a:p>
-            <a:pPr marL="457200" lvl="1" indent="0">
-              <a:buNone/>
-            </a:pPr>
+              <a:t>Περιήγηση βάση ομοιότητας/</a:t>
+            </a:r>
             <a:r>
               <a:rPr lang="en-US" dirty="0" smtClean="0">
                 <a:solidFill>
                   <a:srgbClr val="FF0000"/>
                 </a:solidFill>
               </a:rPr>
-              <a:t>Similarity-Based Browsing (SBB): </a:t>
-            </a:r>
-            <a:r>
-              <a:rPr lang="en-US" dirty="0" smtClean="0"/>
-              <a:t>A method to browse data by exploring the similar entities to a given one.</a:t>
+              <a:t>Similarity-Based </a:t>
+            </a:r>
+            <a:r>
+              <a:rPr lang="en-US" dirty="0" smtClean="0">
+                <a:solidFill>
+                  <a:srgbClr val="FF0000"/>
+                </a:solidFill>
+              </a:rPr>
+              <a:t>Browsing (SBB</a:t>
+            </a:r>
+            <a:r>
+              <a:rPr lang="en-US" dirty="0" smtClean="0">
+                <a:solidFill>
+                  <a:srgbClr val="FF0000"/>
+                </a:solidFill>
+              </a:rPr>
+              <a:t>): </a:t>
+            </a:r>
+            <a:r>
+              <a:rPr lang="el-GR" dirty="0" smtClean="0"/>
+              <a:t>Μέθοδος περιήγησης που βασίζεται στην σημασιολογική ομοιότητα δύο οντοτήτων</a:t>
             </a:r>
             <a:endParaRPr lang="en-US" dirty="0" smtClean="0">
               <a:solidFill>
@@ -4188,6 +4225,14 @@
             <a:pPr marL="457200" lvl="1" indent="0">
               <a:buNone/>
             </a:pPr>
+            <a:r>
+              <a:rPr lang="el-GR" dirty="0" smtClean="0">
+                <a:solidFill>
+                  <a:srgbClr val="FF0000"/>
+                </a:solidFill>
+              </a:rPr>
+              <a:t>Επεξεργασία Φυσικής Γλώσσας/</a:t>
+            </a:r>
             <a:r>
               <a:rPr lang="en-US" dirty="0" smtClean="0">
                 <a:solidFill>
@@ -4202,48 +4247,89 @@
                   <a:srgbClr val="FF0000"/>
                 </a:solidFill>
               </a:rPr>
-              <a:t>Language Processing (NLP): </a:t>
-            </a:r>
-            <a:r>
-              <a:rPr lang="en-US" dirty="0"/>
-              <a:t>The branch of AI that focuses on producing methods to make computers semantically understand the text (e.g. Speech Recognition, Sentiment </a:t>
-            </a:r>
-            <a:r>
-              <a:rPr lang="en-US" dirty="0" smtClean="0"/>
-              <a:t>analysis</a:t>
-            </a:r>
-            <a:r>
-              <a:rPr lang="el-GR" dirty="0" smtClean="0"/>
-              <a:t>, </a:t>
-            </a:r>
-            <a:r>
-              <a:rPr lang="en-US" dirty="0" smtClean="0"/>
-              <a:t>Spam identification).</a:t>
-            </a:r>
-            <a:endParaRPr lang="en-US" dirty="0"/>
-          </a:p>
-          <a:p>
-            <a:pPr lvl="2"/>
-            <a:r>
-              <a:rPr lang="en-US" sz="1800" dirty="0">
+              <a:t>Language Processing (</a:t>
+            </a:r>
+            <a:r>
+              <a:rPr lang="en-US" dirty="0" smtClean="0">
                 <a:solidFill>
                   <a:srgbClr val="FF0000"/>
                 </a:solidFill>
               </a:rPr>
-              <a:t>Word Embedding: </a:t>
-            </a:r>
-            <a:r>
-              <a:rPr lang="en-US" sz="1800" dirty="0"/>
-              <a:t>The task of mapping words into vector representations, with the aim of semantically similar words to be placed closer on the multidimensional space (i.e. their vectors to be similar)</a:t>
-            </a:r>
-            <a:r>
-              <a:rPr lang="en-US" sz="1800" dirty="0">
+              <a:t>NLP):</a:t>
+            </a:r>
+            <a:r>
+              <a:rPr lang="el-GR" dirty="0" smtClean="0"/>
+              <a:t> Ο κλάδος της τεχνίτης νοημοσύνης που εξετάζει τρόπους για να κάνει τους υπολογιστές να καταλαβαίνουν σημασιολογικά κείμενο</a:t>
+            </a:r>
+            <a:r>
+              <a:rPr lang="en-US" dirty="0" smtClean="0"/>
+              <a:t> </a:t>
+            </a:r>
+            <a:r>
+              <a:rPr lang="en-US" dirty="0" smtClean="0"/>
+              <a:t>(</a:t>
+            </a:r>
+            <a:r>
+              <a:rPr lang="en-US" dirty="0"/>
+              <a:t>e.g. Speech Recognition, Sentiment analysis</a:t>
+            </a:r>
+            <a:r>
+              <a:rPr lang="el-GR" dirty="0"/>
+              <a:t>, </a:t>
+            </a:r>
+            <a:r>
+              <a:rPr lang="en-US" dirty="0"/>
+              <a:t>Spam identification</a:t>
+            </a:r>
+            <a:r>
+              <a:rPr lang="en-US" dirty="0" smtClean="0"/>
+              <a:t>).</a:t>
+            </a:r>
+            <a:endParaRPr lang="en-US" dirty="0"/>
+          </a:p>
+          <a:p>
+            <a:pPr lvl="2"/>
+            <a:r>
+              <a:rPr lang="el-GR" sz="1800" dirty="0" smtClean="0">
+                <a:solidFill>
+                  <a:srgbClr val="FF0000"/>
+                </a:solidFill>
+              </a:rPr>
+              <a:t>Διανύσματα λέξεων/</a:t>
+            </a:r>
+            <a:r>
+              <a:rPr lang="en-US" sz="1800" dirty="0" smtClean="0">
+                <a:solidFill>
+                  <a:srgbClr val="FF0000"/>
+                </a:solidFill>
+              </a:rPr>
+              <a:t>Word Embedding:</a:t>
+            </a:r>
+            <a:r>
+              <a:rPr lang="el-GR" sz="1800" dirty="0" smtClean="0">
                 <a:solidFill>
                   <a:srgbClr val="FF0000"/>
                 </a:solidFill>
               </a:rPr>
               <a:t> </a:t>
             </a:r>
+            <a:r>
+              <a:rPr lang="el-GR" sz="1800" dirty="0" smtClean="0"/>
+              <a:t>Η διαδικασία αντιστοίχισης λέξεων σε διανύσματα ενός διανυσματικού χώρου, με σκοπό λέξεις με παρόμοια σημασιολογική σημασία να έχουν και παρόμοια διανύσματα.</a:t>
+            </a:r>
+            <a:r>
+              <a:rPr lang="en-US" sz="1800" dirty="0" smtClean="0">
+                <a:solidFill>
+                  <a:srgbClr val="FF0000"/>
+                </a:solidFill>
+              </a:rPr>
+              <a:t> </a:t>
+            </a:r>
+            <a:endParaRPr lang="en-US" sz="1800" dirty="0">
+              <a:solidFill>
+                <a:srgbClr val="FF0000"/>
+              </a:solidFill>
+            </a:endParaRPr>
           </a:p>
           <a:p>
             <a:pPr lvl="2"/>
@@ -4308,8 +4394,8 @@
           <a:lstStyle/>
           <a:p>
             <a:r>
-              <a:rPr lang="en-US" dirty="0" smtClean="0"/>
-              <a:t>Motivation</a:t>
+              <a:rPr lang="el-GR" dirty="0" smtClean="0"/>
+              <a:t>Κίνητρο</a:t>
             </a:r>
             <a:endParaRPr lang="en-US" dirty="0"/>
           </a:p>
@@ -4338,43 +4424,61 @@
           <a:lstStyle/>
           <a:p>
             <a:r>
-              <a:rPr lang="en-US" dirty="0"/>
-              <a:t>Are there user friendly/easy ways to browse the data of an RDF database</a:t>
+              <a:rPr lang="el-GR" dirty="0" smtClean="0"/>
+              <a:t>Υπάρχει κάποιος εύκολος/φιλικός τρόπος να περιηγηθούμε στα δεδομένα μίας βάσης </a:t>
             </a:r>
             <a:r>
               <a:rPr lang="en-US" dirty="0" smtClean="0"/>
-              <a:t>?</a:t>
+              <a:t>RDF?</a:t>
             </a:r>
             <a:endParaRPr lang="en-US" dirty="0"/>
           </a:p>
           <a:p>
             <a:r>
-              <a:rPr lang="en-US" dirty="0"/>
-              <a:t>Should we explore different ways to retrieve information, considering classic I.R. (information retrieval) methods</a:t>
+              <a:rPr lang="el-GR" dirty="0" smtClean="0"/>
+              <a:t>Υπάρχει λόγος να εξετάσουμε διαφορετικούς τρ</a:t>
+            </a:r>
+            <a:r>
+              <a:rPr lang="el-GR" dirty="0" smtClean="0"/>
+              <a:t>όπους ανάκτησης δεδομένων, σε σχέση με τις κλασσικές μεθόδους της ανάκτησης πληροφοριών (</a:t>
             </a:r>
             <a:r>
               <a:rPr lang="en-US" dirty="0" smtClean="0"/>
-              <a:t>?</a:t>
-            </a:r>
-          </a:p>
-          <a:p>
+              <a:t>Information Retrieval, IR)</a:t>
+            </a:r>
+            <a:r>
+              <a:rPr lang="el-GR" dirty="0" smtClean="0"/>
+              <a:t>;</a:t>
+            </a:r>
+            <a:endParaRPr lang="en-US" dirty="0" smtClean="0"/>
+          </a:p>
+          <a:p>
+            <a:r>
+              <a:rPr lang="el-GR" dirty="0" smtClean="0"/>
+              <a:t>Είναι εφικτό να δημιουργήσουμε λογισμικό που να δουλεύει σε οποιαδήποτε βάση και να προσφέρει </a:t>
+            </a:r>
             <a:r>
               <a:rPr lang="en-US" dirty="0" smtClean="0"/>
-              <a:t>Can we develop software to easily work on any RDF database</a:t>
+              <a:t>SBB </a:t>
             </a:r>
             <a:r>
               <a:rPr lang="el-GR" dirty="0" smtClean="0"/>
-              <a:t>, </a:t>
+              <a:t>στα δεδομένα της;</a:t>
+            </a:r>
+            <a:endParaRPr lang="en-US" dirty="0" smtClean="0"/>
+          </a:p>
+          <a:p>
+            <a:r>
+              <a:rPr lang="el-GR" dirty="0" smtClean="0"/>
+              <a:t>Ποιος είναι ο καλύτερος τρόπος εφαρμογής και χρήσης του </a:t>
             </a:r>
             <a:r>
               <a:rPr lang="en-US" dirty="0" smtClean="0"/>
-              <a:t>in order to make similarity-based browsing easily applicable to any DB?</a:t>
-            </a:r>
-          </a:p>
-          <a:p>
-            <a:r>
-              <a:rPr lang="en-US" dirty="0" smtClean="0"/>
-              <a:t>What is the best method to implement and use SBB? Is it applicable? What resources do we need?</a:t>
+              <a:t>SBB? </a:t>
+            </a:r>
+            <a:r>
+              <a:rPr lang="el-GR" dirty="0" smtClean="0"/>
+              <a:t>Είναι δυνατόν; Τι πόροι χρειάζονται;</a:t>
             </a:r>
             <a:endParaRPr lang="en-US" dirty="0"/>
           </a:p>
@@ -4433,16 +4537,24 @@
           <a:lstStyle/>
           <a:p>
             <a:r>
+              <a:rPr lang="el-GR" dirty="0" smtClean="0"/>
+              <a:t>Τι είναι το </a:t>
+            </a:r>
+            <a:r>
               <a:rPr lang="en-US" dirty="0" smtClean="0"/>
-              <a:t>What is </a:t>
-            </a:r>
-            <a:r>
-              <a:rPr lang="en-US" dirty="0" err="1" smtClean="0"/>
               <a:t>RDFsim</a:t>
             </a:r>
             <a:r>
               <a:rPr lang="en-US" dirty="0" smtClean="0"/>
-              <a:t> (and why it is useful)?</a:t>
+              <a:t> (</a:t>
+            </a:r>
+            <a:r>
+              <a:rPr lang="el-GR" dirty="0" smtClean="0"/>
+              <a:t>και γιατί είναι χρήσιμο</a:t>
+            </a:r>
+            <a:r>
+              <a:rPr lang="en-US" dirty="0" smtClean="0"/>
+              <a:t>)?</a:t>
             </a:r>
             <a:endParaRPr lang="en-US" dirty="0"/>
           </a:p>
@@ -4466,37 +4578,87 @@
         </p:spPr>
         <p:txBody>
           <a:bodyPr>
-            <a:normAutofit/>
+            <a:normAutofit lnSpcReduction="10000"/>
           </a:bodyPr>
           <a:lstStyle/>
           <a:p>
             <a:r>
+              <a:rPr lang="el-GR" sz="2200" dirty="0" smtClean="0"/>
+              <a:t>Το </a:t>
+            </a:r>
+            <a:r>
+              <a:rPr lang="en-US" sz="2200" dirty="0" smtClean="0"/>
+              <a:t>RDFsim </a:t>
+            </a:r>
+            <a:r>
+              <a:rPr lang="el-GR" sz="2200" dirty="0" smtClean="0"/>
+              <a:t>είναι μία διαδικτυακή εφαρμογή σχεδιασμένη να προσφέρει ένα περιβάλλον περιήγησης στα δεδομένα μίας βάσης </a:t>
+            </a:r>
+            <a:r>
+              <a:rPr lang="en-US" sz="2200" dirty="0" smtClean="0"/>
+              <a:t>RDF.</a:t>
+            </a:r>
+            <a:endParaRPr lang="en-US" sz="2200" dirty="0" smtClean="0"/>
+          </a:p>
+          <a:p>
+            <a:r>
+              <a:rPr lang="el-GR" sz="2200" dirty="0" smtClean="0"/>
+              <a:t>Προσφέρει έναν </a:t>
+            </a:r>
+            <a:r>
+              <a:rPr lang="el-GR" sz="2200" dirty="0" err="1" smtClean="0"/>
+              <a:t>διαδραστικό</a:t>
+            </a:r>
+            <a:r>
+              <a:rPr lang="el-GR" sz="2200" dirty="0" smtClean="0"/>
+              <a:t> τρόπο περιήγησης στις οντότητες μίας βάσης </a:t>
+            </a:r>
+            <a:r>
+              <a:rPr lang="en-US" sz="2200" dirty="0" smtClean="0"/>
+              <a:t>RDF, </a:t>
+            </a:r>
+            <a:r>
+              <a:rPr lang="el-GR" sz="2200" dirty="0" smtClean="0"/>
+              <a:t>δείχνοντας ποιες οντότητες είναι σημασιολογικά όμοιες σε μία επιλεγμένη οντότητα, ενώ παράλληλα μπορεί να δείχνει και πληροφορίες για αυτή την οντότητα (σελίδα της </a:t>
+            </a:r>
+            <a:r>
               <a:rPr lang="en-US" sz="2200" dirty="0" err="1" smtClean="0"/>
-              <a:t>RDFsim</a:t>
+              <a:t>Wikipedia,Dbpedia</a:t>
+            </a:r>
+            <a:r>
+              <a:rPr lang="el-GR" sz="2200" dirty="0" smtClean="0"/>
+              <a:t>, ή ακόμα και τις τριπλέτες που χρησιμοποιήθηκαν).</a:t>
+            </a:r>
+            <a:endParaRPr lang="en-US" sz="2200" dirty="0" smtClean="0"/>
+          </a:p>
+          <a:p>
+            <a:r>
+              <a:rPr lang="el-GR" sz="2200" dirty="0" smtClean="0"/>
+              <a:t>Μπορεί να προσαρμοστεί για να λειτουργήσει για οποιαδήποτε </a:t>
             </a:r>
             <a:r>
               <a:rPr lang="en-US" sz="2200" dirty="0" smtClean="0"/>
-              <a:t> is a web application designed to provide a UI for browsing over the data of an RDF database.</a:t>
-            </a:r>
-          </a:p>
-          <a:p>
+              <a:t>RDF </a:t>
+            </a:r>
+            <a:r>
+              <a:rPr lang="el-GR" sz="2200" dirty="0" smtClean="0"/>
+              <a:t>βάση </a:t>
+            </a:r>
             <a:r>
               <a:rPr lang="en-US" sz="2200" dirty="0" smtClean="0"/>
-              <a:t>It provides an easy and interactive way to browse over entities of a RDF DB, by showing the entities that are semantically similar to a corresponding entity, while it is able to show information about this entity (Wikipedia page, </a:t>
-            </a:r>
-            <a:r>
-              <a:rPr lang="en-US" sz="2200" dirty="0" err="1" smtClean="0"/>
-              <a:t>dbpedia</a:t>
+              <a:t>(</a:t>
+            </a:r>
+            <a:r>
+              <a:rPr lang="el-GR" sz="2200" dirty="0" smtClean="0"/>
+              <a:t>για την </a:t>
             </a:r>
             <a:r>
               <a:rPr lang="en-US" sz="2200" dirty="0" smtClean="0"/>
-              <a:t> page or raw triples).</a:t>
-            </a:r>
-          </a:p>
-          <a:p>
-            <a:r>
-              <a:rPr lang="en-US" sz="2200" dirty="0" smtClean="0"/>
-              <a:t>It can be configured to work on any RDF database (for this demo version, </a:t>
+              <a:t>demo </a:t>
+            </a:r>
+            <a:r>
+              <a:rPr lang="el-GR" sz="2200" dirty="0" smtClean="0"/>
+              <a:t>έκδοση, χρησιμοποιούμε την </a:t>
             </a:r>
             <a:r>
               <a:rPr lang="en-US" sz="2200" dirty="0" err="1" smtClean="0"/>
@@ -4504,65 +4666,93 @@
             </a:r>
             <a:r>
               <a:rPr lang="en-US" sz="2200" dirty="0" smtClean="0"/>
-              <a:t> is used)</a:t>
-            </a:r>
-          </a:p>
-          <a:p>
+              <a:t>)</a:t>
+            </a:r>
+            <a:endParaRPr lang="en-US" sz="2200" dirty="0" smtClean="0"/>
+          </a:p>
+          <a:p>
+            <a:r>
+              <a:rPr lang="el-GR" sz="2200" dirty="0" smtClean="0"/>
+              <a:t>Για κάθε ρύθμιση/βάση, προ-υπολογίζει/αποθηκεύει τα δεδομένα μία μόνο φορά, κι έτσι μπορεί να τρέξει ακόμα και σε απλά μηχανήματα, με την προϋπόθεση ότι έχει τα δεδομένα εκεί.</a:t>
+            </a:r>
+            <a:endParaRPr lang="en-US" sz="2200" dirty="0" smtClean="0"/>
+          </a:p>
+          <a:p>
+            <a:r>
+              <a:rPr lang="el-GR" sz="2200" dirty="0" smtClean="0"/>
+              <a:t>Είναι ανεξάρτητο από την μέθοδο που βρίσκει τις όμοιες οντότητες, επομένως μπορεί εύκολα να </a:t>
+            </a:r>
+            <a:r>
+              <a:rPr lang="el-GR" sz="2200" dirty="0" err="1" smtClean="0"/>
+              <a:t>παραμετροποιηθεί</a:t>
+            </a:r>
+            <a:r>
+              <a:rPr lang="el-GR" sz="2200" dirty="0" smtClean="0"/>
+              <a:t> και να αναβαθμιστεί. </a:t>
+            </a:r>
+            <a:endParaRPr lang="en-US" sz="2200" dirty="0" smtClean="0"/>
+          </a:p>
+          <a:p>
+            <a:r>
+              <a:rPr lang="el-GR" sz="2200" dirty="0" smtClean="0"/>
+              <a:t>Εκμεταλλεύεται την καινούργια τάση παραγωγής </a:t>
+            </a:r>
+            <a:r>
+              <a:rPr lang="en-US" sz="2200" dirty="0" err="1" smtClean="0"/>
+              <a:t>embeddings</a:t>
+            </a:r>
             <a:r>
               <a:rPr lang="en-US" sz="2200" dirty="0" smtClean="0"/>
-              <a:t>For any given configuration, it pre-calculates the data, thus it can be run on any common machine supposing that the input dataset is provided.</a:t>
-            </a:r>
-          </a:p>
-          <a:p>
-            <a:r>
-              <a:rPr lang="en-US" sz="2200" dirty="0" smtClean="0"/>
-              <a:t>It is </a:t>
-            </a:r>
-            <a:r>
-              <a:rPr lang="en-US" sz="2200" dirty="0" err="1" smtClean="0"/>
-              <a:t>independed</a:t>
-            </a:r>
-            <a:r>
-              <a:rPr lang="en-US" sz="2200" dirty="0" smtClean="0"/>
-              <a:t> from the library that provides the methods to find the similar entities to a given one, thus it is easily refactored.</a:t>
-            </a:r>
-          </a:p>
-          <a:p>
-            <a:r>
-              <a:rPr lang="en-US" sz="2200" dirty="0" smtClean="0"/>
-              <a:t>It exploits the recent trend of producing word (entity) embedding over a Knowledge graph. </a:t>
+              <a:t> </a:t>
+            </a:r>
+            <a:r>
+              <a:rPr lang="el-GR" sz="2200" dirty="0" smtClean="0"/>
+              <a:t>σε έναν </a:t>
+            </a:r>
+            <a:r>
+              <a:rPr lang="el-GR" sz="2200" dirty="0" err="1" smtClean="0"/>
+              <a:t>γράφο</a:t>
+            </a:r>
+            <a:r>
+              <a:rPr lang="el-GR" sz="2200" dirty="0" smtClean="0"/>
+              <a:t> γνώσης</a:t>
             </a:r>
             <a:endParaRPr lang="el-GR" sz="2200" dirty="0" smtClean="0"/>
           </a:p>
           <a:p>
+            <a:r>
+              <a:rPr lang="el-GR" sz="2200" dirty="0" smtClean="0">
+                <a:solidFill>
+                  <a:srgbClr val="FF0000"/>
+                </a:solidFill>
+              </a:rPr>
+              <a:t>ΣΗΜΑΝΤΙΚΟ: </a:t>
+            </a:r>
             <a:r>
               <a:rPr lang="en-US" sz="2200" dirty="0" smtClean="0">
                 <a:solidFill>
                   <a:srgbClr val="FF0000"/>
                 </a:solidFill>
               </a:rPr>
-              <a:t>Important: </a:t>
-            </a:r>
-            <a:r>
-              <a:rPr lang="en-US" sz="2200" dirty="0" err="1" smtClean="0">
+              <a:t>To RDFsim </a:t>
+            </a:r>
+            <a:r>
+              <a:rPr lang="el-GR" sz="2200" dirty="0" smtClean="0">
                 <a:solidFill>
                   <a:srgbClr val="FF0000"/>
                 </a:solidFill>
               </a:rPr>
-              <a:t>RDFsim</a:t>
-            </a:r>
-            <a:r>
-              <a:rPr lang="en-US" sz="2200" dirty="0" smtClean="0">
-                <a:solidFill>
-                  <a:srgbClr val="FF0000"/>
-                </a:solidFill>
-              </a:rPr>
-              <a:t> is NOT a classic search engine i.e. it does not offer browsing over web pages, </a:t>
-            </a:r>
-            <a:r>
-              <a:rPr lang="en-US" sz="2200" dirty="0" smtClean="0"/>
-              <a:t>it offers browsing over information/entities of the database.</a:t>
-            </a:r>
+              <a:t>δεν είναι μία κλασική μηχανή αναζήτησης – Δεν προσφέρει περιήγηση σε ιστοσελίδες, </a:t>
+            </a:r>
+            <a:r>
+              <a:rPr lang="el-GR" sz="2200" dirty="0" smtClean="0"/>
+              <a:t>αλλά σε πληροφορίες/οντότητες της βάσης.</a:t>
+            </a:r>
+            <a:endParaRPr lang="en-US" sz="2200" dirty="0" smtClean="0">
+              <a:solidFill>
+                <a:srgbClr val="FF0000"/>
+              </a:solidFill>
+            </a:endParaRPr>
           </a:p>
         </p:txBody>
       </p:sp>
@@ -4619,8 +4809,8 @@
           <a:lstStyle/>
           <a:p>
             <a:r>
-              <a:rPr lang="en-US" sz="3600" dirty="0" smtClean="0"/>
-              <a:t>How does it work (simply)</a:t>
+              <a:rPr lang="el-GR" sz="3600" dirty="0" smtClean="0"/>
+              <a:t>Πως λειτουργεί (Γενικά)</a:t>
             </a:r>
             <a:endParaRPr lang="en-US" sz="3600" dirty="0"/>
           </a:p>
@@ -4649,74 +4839,193 @@
           <a:lstStyle/>
           <a:p>
             <a:r>
-              <a:rPr lang="en-US" sz="2400" dirty="0" err="1" smtClean="0"/>
-              <a:t>RDFsim</a:t>
-            </a:r>
-            <a:r>
-              <a:rPr lang="en-US" sz="2400" dirty="0" smtClean="0"/>
-              <a:t> takes as configuration an RDF Database, and downloads the desired triples in N-triple format, i.e. </a:t>
-            </a:r>
-            <a:r>
-              <a:rPr lang="en-US" sz="2400" dirty="0" err="1" smtClean="0"/>
-              <a:t>s,p,o</a:t>
-            </a:r>
-            <a:r>
-              <a:rPr lang="en-US" sz="2400" dirty="0" smtClean="0"/>
-              <a:t> …</a:t>
-            </a:r>
-          </a:p>
-          <a:p>
-            <a:r>
-              <a:rPr lang="en-US" sz="2400" dirty="0" smtClean="0"/>
-              <a:t>It uses NLP libraries that produce word </a:t>
-            </a:r>
-            <a:r>
-              <a:rPr lang="en-US" sz="2400" dirty="0" err="1" smtClean="0"/>
-              <a:t>embeddings</a:t>
-            </a:r>
-            <a:r>
-              <a:rPr lang="en-US" sz="2400" dirty="0" smtClean="0"/>
-              <a:t> (current: word2vec, future: BERT). After the N-triple format is saved to a file, it is given as an input to the aforementioned library, in order to produce word </a:t>
-            </a:r>
-            <a:r>
-              <a:rPr lang="en-US" sz="2400" dirty="0" err="1" smtClean="0"/>
-              <a:t>embeddings</a:t>
-            </a:r>
-            <a:r>
-              <a:rPr lang="en-US" sz="2400" dirty="0" smtClean="0"/>
-              <a:t>: This means that every entity (every URI) will be mapped to a vector of a multidimensional vector space. </a:t>
-            </a:r>
-          </a:p>
-          <a:p>
-            <a:r>
-              <a:rPr lang="en-US" sz="2400" dirty="0" smtClean="0"/>
-              <a:t>As these libraries exploit pre-trained (or fine-tuned) neural networks, we suppose that based on the context of the input file, entities that are semantically similar will be mapped to closer vectors in out vector space. </a:t>
-            </a:r>
-            <a:r>
-              <a:rPr lang="en-US" sz="2400" dirty="0" err="1" smtClean="0"/>
-              <a:t>Eg</a:t>
-            </a:r>
-            <a:r>
-              <a:rPr lang="en-US" sz="2400" dirty="0" smtClean="0"/>
-              <a:t>, if the input file contains the following triples: Aristotle, type, Philosopher – Socrates, type, </a:t>
-            </a:r>
-            <a:r>
-              <a:rPr lang="en-US" sz="2400" dirty="0"/>
-              <a:t>Philosopher</a:t>
-            </a:r>
-            <a:r>
-              <a:rPr lang="en-US" sz="2400" dirty="0" smtClean="0"/>
-              <a:t> – Inception, type, Movie, we expect that the vectors of Aristotle and Socrates (which are both philosophers) will be closer in the vector space regarding the vector of Inception.</a:t>
-            </a:r>
-          </a:p>
-          <a:p>
-            <a:r>
-              <a:rPr lang="en-US" sz="2400" dirty="0" smtClean="0"/>
-              <a:t>This way, we can determine the TOP-K similar entities of a given entity by retrieving the closest vectors in the vector space, and provide similarity based browsing.</a:t>
-            </a:r>
-          </a:p>
-          <a:p>
-            <a:endParaRPr lang="en-US" sz="2400" dirty="0"/>
+              <a:rPr lang="el-GR" sz="1800" dirty="0" smtClean="0"/>
+              <a:t>Δέχεται αρχικά τις πληροφορίες μίας </a:t>
+            </a:r>
+            <a:r>
+              <a:rPr lang="en-US" sz="1800" dirty="0" smtClean="0"/>
+              <a:t>RDF </a:t>
+            </a:r>
+            <a:r>
+              <a:rPr lang="el-GR" sz="1800" dirty="0" smtClean="0"/>
+              <a:t>βάσης, και κατεβάζει/αποθηκεύει τα δεδομένα της σε </a:t>
+            </a:r>
+            <a:r>
+              <a:rPr lang="en-US" sz="1800" dirty="0" smtClean="0"/>
+              <a:t>N-triple </a:t>
+            </a:r>
+            <a:r>
+              <a:rPr lang="el-GR" sz="1800" dirty="0" smtClean="0"/>
+              <a:t>μορφή, δηλαδή ένα αρχείο με μία </a:t>
+            </a:r>
+            <a:r>
+              <a:rPr lang="el-GR" sz="1800" dirty="0" err="1" smtClean="0"/>
+              <a:t>τριπλέτα</a:t>
+            </a:r>
+            <a:r>
+              <a:rPr lang="el-GR" sz="1800" dirty="0"/>
+              <a:t> </a:t>
+            </a:r>
+            <a:r>
+              <a:rPr lang="el-GR" sz="1800" dirty="0" smtClean="0"/>
+              <a:t>ανά </a:t>
+            </a:r>
+            <a:r>
+              <a:rPr lang="el-GR" sz="1800" dirty="0" smtClean="0"/>
+              <a:t>γραμμή.</a:t>
+            </a:r>
+          </a:p>
+          <a:p>
+            <a:r>
+              <a:rPr lang="el-GR" sz="1800" dirty="0" smtClean="0"/>
+              <a:t>Χρησιμοποιεί </a:t>
+            </a:r>
+            <a:r>
+              <a:rPr lang="en-US" sz="1800" dirty="0" smtClean="0"/>
+              <a:t>NLP </a:t>
+            </a:r>
+            <a:r>
+              <a:rPr lang="el-GR" sz="1800" dirty="0" smtClean="0"/>
+              <a:t>βιβλιοθήκες για να παράγει τα διανύσματα (</a:t>
+            </a:r>
+            <a:r>
+              <a:rPr lang="en-US" sz="1800" dirty="0" smtClean="0"/>
+              <a:t>w2v, </a:t>
+            </a:r>
+            <a:r>
+              <a:rPr lang="en-US" sz="1800" dirty="0" err="1" smtClean="0"/>
+              <a:t>bert</a:t>
+            </a:r>
+            <a:r>
+              <a:rPr lang="en-US" sz="1800" dirty="0" smtClean="0"/>
+              <a:t>)</a:t>
+            </a:r>
+            <a:r>
+              <a:rPr lang="el-GR" sz="1800" dirty="0" smtClean="0"/>
+              <a:t>. Η βιβλιοθήκη χρησιμοποιεί το αρχείο τον </a:t>
+            </a:r>
+            <a:r>
+              <a:rPr lang="el-GR" sz="1800" dirty="0" err="1" smtClean="0"/>
+              <a:t>τριπλετών</a:t>
+            </a:r>
+            <a:r>
+              <a:rPr lang="el-GR" sz="1800" dirty="0" smtClean="0"/>
+              <a:t> και παράγει ένα αρχείο που περιέχει τις διανυσματικές αναπαραστάσεις των οντοτήτων σε έναν πολυδιάστατο χώρο. Έτσι, κάθε λέξη</a:t>
+            </a:r>
+            <a:r>
+              <a:rPr lang="en-US" sz="1800" dirty="0" smtClean="0"/>
+              <a:t> </a:t>
+            </a:r>
+            <a:r>
+              <a:rPr lang="el-GR" sz="1800" dirty="0" smtClean="0"/>
+              <a:t>αντιστοιχίζεται σε ένα διάνυσμα, βάση της σημασίας της (το φροντίζει η βιβλιοθήκη). </a:t>
+            </a:r>
+          </a:p>
+          <a:p>
+            <a:r>
+              <a:rPr lang="el-GR" sz="1800" dirty="0" smtClean="0"/>
+              <a:t>Εφόσον αυτές οι βιβλιοθήκες χρησιμοποιούν </a:t>
+            </a:r>
+            <a:r>
+              <a:rPr lang="en-US" sz="1800" dirty="0" smtClean="0"/>
+              <a:t>pre-trained </a:t>
+            </a:r>
+            <a:r>
+              <a:rPr lang="el-GR" sz="1800" dirty="0" err="1" smtClean="0"/>
+              <a:t>νευρωνικά</a:t>
+            </a:r>
+            <a:r>
+              <a:rPr lang="el-GR" sz="1800" dirty="0" smtClean="0"/>
+              <a:t> δίκτυα, περιμένουμε πως βάση της σημασίας των οντοτ</a:t>
+            </a:r>
+            <a:r>
+              <a:rPr lang="el-GR" sz="1800" dirty="0" smtClean="0"/>
+              <a:t>ήτων (που προκύπτει από τις τριπλέτες), όμοιες σημασιολογικά οντότητες θα είναι πιο κοντά στον διανυσματικό χώρο. Πχ αν είχαμε τις τριπλέτες: </a:t>
+            </a:r>
+            <a:r>
+              <a:rPr lang="en-US" sz="1800" dirty="0" err="1" smtClean="0"/>
+              <a:t>Aristotle,type,Philosopher</a:t>
+            </a:r>
+            <a:r>
+              <a:rPr lang="en-US" sz="1800" dirty="0" smtClean="0"/>
+              <a:t> </a:t>
+            </a:r>
+            <a:r>
+              <a:rPr lang="en-US" sz="1800" dirty="0" err="1" smtClean="0"/>
+              <a:t>Socrates,type,Philosopher</a:t>
+            </a:r>
+            <a:r>
+              <a:rPr lang="en-US" sz="1800" dirty="0"/>
+              <a:t> </a:t>
+            </a:r>
+            <a:r>
+              <a:rPr lang="en-US" sz="1800" dirty="0" err="1" smtClean="0"/>
+              <a:t>Inception,type,Movie</a:t>
+            </a:r>
+            <a:r>
+              <a:rPr lang="en-US" sz="1800" dirty="0"/>
+              <a:t> </a:t>
+            </a:r>
+            <a:r>
+              <a:rPr lang="en-US" sz="1800" dirty="0" smtClean="0"/>
+              <a:t>, </a:t>
+            </a:r>
+            <a:r>
+              <a:rPr lang="el-GR" sz="1800" dirty="0" smtClean="0"/>
+              <a:t>αναμένουμε τον Αριστοτέλη να είναι πιο κοντά στον Σωκράτη παρά στο </a:t>
+            </a:r>
+            <a:r>
+              <a:rPr lang="en-US" sz="1800" dirty="0" smtClean="0"/>
+              <a:t>Inception</a:t>
+            </a:r>
+            <a:r>
+              <a:rPr lang="el-GR" sz="1800" dirty="0" smtClean="0"/>
+              <a:t>.</a:t>
+            </a:r>
+            <a:endParaRPr lang="el-GR" sz="1800" dirty="0" smtClean="0"/>
+          </a:p>
+          <a:p>
+            <a:r>
+              <a:rPr lang="el-GR" sz="1800" dirty="0" smtClean="0"/>
+              <a:t>Με αυτόν τον τρόπο μπορούμε να βρούμε τις Κ πιο κοντινές σημασιολογικά οντότητες μίας επιλεγμένης οντότητας, απλά παίρνοντας τα Κ πιο κοντινά της διανύσματα στον πολυδιάστατο διανυσματικό χώρο που δημιουργούμε.</a:t>
+            </a:r>
+          </a:p>
+          <a:p>
+            <a:r>
+              <a:rPr lang="el-GR" sz="1800" dirty="0" smtClean="0"/>
+              <a:t>Η παραπάνω διαδικασία είναι αρκετό να γίνει </a:t>
+            </a:r>
+            <a:r>
+              <a:rPr lang="el-GR" sz="1800" b="1" dirty="0" smtClean="0"/>
+              <a:t>μόνο μία φορά για κάθε βάση</a:t>
+            </a:r>
+            <a:r>
+              <a:rPr lang="el-GR" sz="1800" dirty="0" smtClean="0"/>
+              <a:t>, καθώς μπορούμε να αποθηκεύσουμε τις οντότητες και τις Κ όμοιες τους σε ένα αρχείο συγκεκριμένης μορφής, και να το επαναχρησιμοποιούμε.</a:t>
+            </a:r>
+          </a:p>
+          <a:p>
+            <a:r>
+              <a:rPr lang="el-GR" sz="1800" dirty="0" smtClean="0"/>
+              <a:t>Συγκεκριμένα: Το </a:t>
+            </a:r>
+            <a:r>
+              <a:rPr lang="en-US" sz="1800" dirty="0" smtClean="0"/>
+              <a:t>RDFsim </a:t>
+            </a:r>
+            <a:r>
+              <a:rPr lang="el-GR" sz="1800" dirty="0" smtClean="0"/>
+              <a:t>έχει ένα δικό του σύστημα δημιουργίας/αποθήκευσης/προσπέλασης αρχείων, τ</a:t>
+            </a:r>
+            <a:r>
+              <a:rPr lang="en-US" sz="1800" dirty="0" smtClean="0"/>
+              <a:t>o </a:t>
+            </a:r>
+            <a:r>
+              <a:rPr lang="el-GR" sz="1800" dirty="0" smtClean="0"/>
+              <a:t>οποίο κράτα τις οντότητες και ότι άλλη πληροφορία χρειάζεται σε μία καθορισμένη μορφή.</a:t>
+            </a:r>
+            <a:endParaRPr lang="en-US" sz="1800" dirty="0" smtClean="0"/>
           </a:p>
         </p:txBody>
       </p:sp>
@@ -4773,8 +5082,16 @@
           <a:lstStyle/>
           <a:p>
             <a:r>
+              <a:rPr lang="el-GR" sz="3600" dirty="0" smtClean="0"/>
+              <a:t>Παράδειγμα</a:t>
+            </a:r>
+            <a:r>
               <a:rPr lang="en-US" sz="3600" dirty="0" smtClean="0"/>
-              <a:t>Examples (UI and functions)</a:t>
+              <a:t> </a:t>
+            </a:r>
+            <a:r>
+              <a:rPr lang="en-US" sz="3600" dirty="0" smtClean="0"/>
+              <a:t>(UI and functions)</a:t>
             </a:r>
             <a:endParaRPr lang="en-US" sz="3600" dirty="0"/>
           </a:p>
@@ -4788,7 +5105,7 @@
         </p:nvSpPr>
         <p:spPr>
           <a:xfrm>
-            <a:off x="6339254" y="365126"/>
+            <a:off x="6993879" y="329745"/>
             <a:ext cx="4563210" cy="584775"/>
           </a:xfrm>
           <a:prstGeom prst="rect">
